--- a/Документация/Презентация.pptx
+++ b/Документация/Презентация.pptx
@@ -1445,7 +1445,7 @@
           <a:p>
             <a:fld id="{74ABA204-858E-4F3B-A142-90A6B4DC75C9}" type="datetimeFigureOut">
               <a:rPr lang="ru-RU" smtClean="0"/>
-              <a:t>04.06.2017</a:t>
+              <a:t>08.06.2017</a:t>
             </a:fld>
             <a:endParaRPr lang="ru-RU"/>
           </a:p>
@@ -2067,7 +2067,7 @@
           <a:p>
             <a:fld id="{2376C4AC-1F3E-4CDC-8024-B1E0E5610132}" type="datetime1">
               <a:rPr lang="en-US" smtClean="0"/>
-              <a:t>6/4/2017</a:t>
+              <a:t>6/8/2017</a:t>
             </a:fld>
             <a:endParaRPr lang="en-US" dirty="0"/>
           </a:p>
@@ -2337,7 +2337,7 @@
           <a:p>
             <a:fld id="{49E7AF39-1287-4DBF-A235-50BB5A305428}" type="datetime1">
               <a:rPr lang="en-US" smtClean="0"/>
-              <a:t>6/4/2017</a:t>
+              <a:t>6/8/2017</a:t>
             </a:fld>
             <a:endParaRPr lang="en-US" dirty="0"/>
           </a:p>
@@ -2526,7 +2526,7 @@
           <a:p>
             <a:fld id="{8AB0405D-F8A9-432D-B453-0B6D10C77D3C}" type="datetime1">
               <a:rPr lang="en-US" smtClean="0"/>
-              <a:t>6/4/2017</a:t>
+              <a:t>6/8/2017</a:t>
             </a:fld>
             <a:endParaRPr lang="en-US" dirty="0"/>
           </a:p>
@@ -2794,7 +2794,7 @@
           <a:p>
             <a:fld id="{2BCA54E7-FB90-4D7A-A6D5-E3BAFD857400}" type="datetime1">
               <a:rPr lang="en-US" smtClean="0"/>
-              <a:t>6/4/2017</a:t>
+              <a:t>6/8/2017</a:t>
             </a:fld>
             <a:endParaRPr lang="en-US" dirty="0"/>
           </a:p>
@@ -3130,7 +3130,7 @@
           <a:p>
             <a:fld id="{1BBD7104-8255-43BF-A72E-54637A72FE25}" type="datetime1">
               <a:rPr lang="en-US" smtClean="0"/>
-              <a:t>6/4/2017</a:t>
+              <a:t>6/8/2017</a:t>
             </a:fld>
             <a:endParaRPr lang="en-US" dirty="0"/>
           </a:p>
@@ -3748,7 +3748,7 @@
           <a:p>
             <a:fld id="{1519101F-D2B6-4D95-BB27-F63A811016C4}" type="datetime1">
               <a:rPr lang="en-US" smtClean="0"/>
-              <a:t>6/4/2017</a:t>
+              <a:t>6/8/2017</a:t>
             </a:fld>
             <a:endParaRPr lang="en-US" dirty="0"/>
           </a:p>
@@ -4603,7 +4603,7 @@
           <a:p>
             <a:fld id="{FA465B2B-95D7-45A2-AF04-E8FA93783E89}" type="datetime1">
               <a:rPr lang="en-US" smtClean="0"/>
-              <a:t>6/4/2017</a:t>
+              <a:t>6/8/2017</a:t>
             </a:fld>
             <a:endParaRPr lang="en-US" dirty="0"/>
           </a:p>
@@ -4768,7 +4768,7 @@
           <a:p>
             <a:fld id="{65159644-F50E-42F9-82B3-A2AEFAB94826}" type="datetime1">
               <a:rPr lang="en-US" smtClean="0"/>
-              <a:t>6/4/2017</a:t>
+              <a:t>6/8/2017</a:t>
             </a:fld>
             <a:endParaRPr lang="en-US" dirty="0"/>
           </a:p>
@@ -4943,7 +4943,7 @@
           <a:p>
             <a:fld id="{640E095A-C647-4F21-85E4-DEEEC10AA140}" type="datetime1">
               <a:rPr lang="en-US" smtClean="0"/>
-              <a:t>6/4/2017</a:t>
+              <a:t>6/8/2017</a:t>
             </a:fld>
             <a:endParaRPr lang="en-US" dirty="0"/>
           </a:p>
@@ -5108,7 +5108,7 @@
           <a:p>
             <a:fld id="{ADF68C95-E949-4B3C-A48F-960E56EDAB55}" type="datetime1">
               <a:rPr lang="en-US" smtClean="0"/>
-              <a:t>6/4/2017</a:t>
+              <a:t>6/8/2017</a:t>
             </a:fld>
             <a:endParaRPr lang="en-US" dirty="0"/>
           </a:p>
@@ -5357,7 +5357,7 @@
           <a:p>
             <a:fld id="{E2F6AEBD-1ADB-4D7D-B47E-C8631FC0AE71}" type="datetime1">
               <a:rPr lang="en-US" smtClean="0"/>
-              <a:t>6/4/2017</a:t>
+              <a:t>6/8/2017</a:t>
             </a:fld>
             <a:endParaRPr lang="en-US" dirty="0"/>
           </a:p>
@@ -5644,7 +5644,7 @@
           <a:p>
             <a:fld id="{D0A8660E-AD0F-405E-A4A4-83C7684D0B4B}" type="datetime1">
               <a:rPr lang="en-US" smtClean="0"/>
-              <a:t>6/4/2017</a:t>
+              <a:t>6/8/2017</a:t>
             </a:fld>
             <a:endParaRPr lang="en-US" dirty="0"/>
           </a:p>
@@ -6083,7 +6083,7 @@
           <a:p>
             <a:fld id="{1DB5C133-46FD-4D22-8EC4-9BAA48024A2B}" type="datetime1">
               <a:rPr lang="en-US" smtClean="0"/>
-              <a:t>6/4/2017</a:t>
+              <a:t>6/8/2017</a:t>
             </a:fld>
             <a:endParaRPr lang="en-US" dirty="0"/>
           </a:p>
@@ -6196,7 +6196,7 @@
           <a:p>
             <a:fld id="{C06AFE6C-E4EC-41E6-BCE4-82C080811BC8}" type="datetime1">
               <a:rPr lang="en-US" smtClean="0"/>
-              <a:t>6/4/2017</a:t>
+              <a:t>6/8/2017</a:t>
             </a:fld>
             <a:endParaRPr lang="en-US" dirty="0"/>
           </a:p>
@@ -6286,7 +6286,7 @@
           <a:p>
             <a:fld id="{8284BF16-3920-44FA-9B70-3EBD3F0376FC}" type="datetime1">
               <a:rPr lang="en-US" smtClean="0"/>
-              <a:t>6/4/2017</a:t>
+              <a:t>6/8/2017</a:t>
             </a:fld>
             <a:endParaRPr lang="en-US" dirty="0"/>
           </a:p>
@@ -6560,7 +6560,7 @@
           <a:p>
             <a:fld id="{9B1FFE50-1772-41C2-AE29-05733F7441D4}" type="datetime1">
               <a:rPr lang="en-US" smtClean="0"/>
-              <a:t>6/4/2017</a:t>
+              <a:t>6/8/2017</a:t>
             </a:fld>
             <a:endParaRPr lang="en-US" dirty="0"/>
           </a:p>
@@ -6830,7 +6830,7 @@
           <a:p>
             <a:fld id="{94606FD0-66EB-4905-A7F2-6C330BA3B448}" type="datetime1">
               <a:rPr lang="en-US" smtClean="0"/>
-              <a:t>6/4/2017</a:t>
+              <a:t>6/8/2017</a:t>
             </a:fld>
             <a:endParaRPr lang="en-US" dirty="0"/>
           </a:p>
@@ -7254,7 +7254,7 @@
           <a:p>
             <a:fld id="{0CCFA787-F5D4-4432-B795-628AB1FB08CF}" type="datetime1">
               <a:rPr lang="en-US" smtClean="0"/>
-              <a:t>6/4/2017</a:t>
+              <a:t>6/8/2017</a:t>
             </a:fld>
             <a:endParaRPr lang="en-US" dirty="0"/>
           </a:p>
@@ -7801,7 +7801,7 @@
             <a:pPr algn="ctr"/>
             <a:r>
               <a:rPr lang="ru-RU" sz="3600" dirty="0"/>
-              <a:t>Мобильное приложение расписания кафедры для платформы </a:t>
+              <a:t>Мобильное приложение расписания учебных занятий для  платформы </a:t>
             </a:r>
             <a:r>
               <a:rPr lang="ru-RU" sz="3600" dirty="0" err="1"/>
@@ -8620,15 +8620,34 @@
           </a:p>
         </p:txBody>
       </p:sp>
+      <p:sp>
+        <p:nvSpPr>
+          <p:cNvPr id="7" name="Номер слайда 6"/>
+          <p:cNvSpPr>
+            <a:spLocks noGrp="1"/>
+          </p:cNvSpPr>
+          <p:nvPr>
+            <p:ph type="sldNum" sz="quarter" idx="12"/>
+          </p:nvPr>
+        </p:nvSpPr>
+        <p:spPr/>
+        <p:txBody>
+          <a:bodyPr/>
+          <a:lstStyle/>
+          <a:p>
+            <a:fld id="{D57F1E4F-1CFF-5643-939E-02111984F565}" type="slidenum">
+              <a:rPr lang="en-US" smtClean="0"/>
+              <a:t>6</a:t>
+            </a:fld>
+            <a:endParaRPr lang="en-US" dirty="0"/>
+          </a:p>
+        </p:txBody>
+      </p:sp>
       <p:pic>
         <p:nvPicPr>
-          <p:cNvPr id="6" name="Объект 5"/>
-          <p:cNvPicPr>
-            <a:picLocks noGrp="1" noChangeAspect="1"/>
-          </p:cNvPicPr>
-          <p:nvPr>
-            <p:ph idx="1"/>
-          </p:nvPr>
+          <p:cNvPr id="5" name="Рисунок 4"/>
+          <p:cNvPicPr/>
+          <p:nvPr/>
         </p:nvPicPr>
         <p:blipFill rotWithShape="1">
           <a:blip r:embed="rId3">
@@ -8638,13 +8657,13 @@
               </a:ext>
             </a:extLst>
           </a:blip>
-          <a:srcRect l="3662" t="7110" r="4476" b="12755"/>
+          <a:srcRect l="953" t="2474" r="2107" b="5275"/>
           <a:stretch/>
         </p:blipFill>
-        <p:spPr>
+        <p:spPr bwMode="auto">
           <a:xfrm>
-            <a:off x="2050991" y="2221907"/>
-            <a:ext cx="8460336" cy="3760150"/>
+            <a:off x="1032347" y="1853248"/>
+            <a:ext cx="10058940" cy="4302808"/>
           </a:xfrm>
           <a:prstGeom prst="rect">
             <a:avLst/>
@@ -8659,31 +8678,13 @@
               </a:srgbClr>
             </a:outerShdw>
           </a:effectLst>
+          <a:extLst>
+            <a:ext uri="{53640926-AAD7-44D8-BBD7-CCE9431645EC}">
+              <a14:shadowObscured xmlns:a14="http://schemas.microsoft.com/office/drawing/2010/main"/>
+            </a:ext>
+          </a:extLst>
         </p:spPr>
       </p:pic>
-      <p:sp>
-        <p:nvSpPr>
-          <p:cNvPr id="7" name="Номер слайда 6"/>
-          <p:cNvSpPr>
-            <a:spLocks noGrp="1"/>
-          </p:cNvSpPr>
-          <p:nvPr>
-            <p:ph type="sldNum" sz="quarter" idx="12"/>
-          </p:nvPr>
-        </p:nvSpPr>
-        <p:spPr/>
-        <p:txBody>
-          <a:bodyPr/>
-          <a:lstStyle/>
-          <a:p>
-            <a:fld id="{D57F1E4F-1CFF-5643-939E-02111984F565}" type="slidenum">
-              <a:rPr lang="en-US" smtClean="0"/>
-              <a:t>6</a:t>
-            </a:fld>
-            <a:endParaRPr lang="en-US" dirty="0"/>
-          </a:p>
-        </p:txBody>
-      </p:sp>
     </p:spTree>
     <p:extLst>
       <p:ext uri="{BB962C8B-B14F-4D97-AF65-F5344CB8AC3E}">
@@ -8988,7 +8989,6 @@
               <a:rPr lang="ru-RU" dirty="0"/>
               <a:t>разработанного мобильного приложения позволяет повысить удобство и понизить время работы с расписанием. </a:t>
             </a:r>
-            <a:endParaRPr lang="ru-RU" dirty="0"/>
           </a:p>
         </p:txBody>
       </p:sp>

--- a/Документация/Презентация.pptx
+++ b/Документация/Презентация.pptx
@@ -5,17 +5,16 @@
     <p:sldMasterId id="2147483671" r:id="rId1"/>
   </p:sldMasterIdLst>
   <p:notesMasterIdLst>
-    <p:notesMasterId r:id="rId10"/>
+    <p:notesMasterId r:id="rId9"/>
   </p:notesMasterIdLst>
   <p:sldIdLst>
     <p:sldId id="256" r:id="rId2"/>
     <p:sldId id="257" r:id="rId3"/>
-    <p:sldId id="258" r:id="rId4"/>
-    <p:sldId id="259" r:id="rId5"/>
-    <p:sldId id="260" r:id="rId6"/>
-    <p:sldId id="261" r:id="rId7"/>
-    <p:sldId id="262" r:id="rId8"/>
-    <p:sldId id="264" r:id="rId9"/>
+    <p:sldId id="259" r:id="rId4"/>
+    <p:sldId id="260" r:id="rId5"/>
+    <p:sldId id="261" r:id="rId6"/>
+    <p:sldId id="262" r:id="rId7"/>
+    <p:sldId id="264" r:id="rId8"/>
   </p:sldIdLst>
   <p:sldSz cx="12192000" cy="6858000"/>
   <p:notesSz cx="6858000" cy="9144000"/>
@@ -516,32 +515,6 @@
                   <c:y val="-2.6635471831190614E-2"/>
                 </c:manualLayout>
               </c:layout>
-              <c:spPr>
-                <a:noFill/>
-                <a:ln>
-                  <a:noFill/>
-                </a:ln>
-                <a:effectLst/>
-              </c:spPr>
-              <c:txPr>
-                <a:bodyPr rot="0" spcFirstLastPara="1" vertOverflow="ellipsis" vert="horz" wrap="square" lIns="38100" tIns="19050" rIns="38100" bIns="19050" anchor="ctr" anchorCtr="1">
-                  <a:spAutoFit/>
-                </a:bodyPr>
-                <a:lstStyle/>
-                <a:p>
-                  <a:pPr>
-                    <a:defRPr sz="2400" b="1" i="0" u="none" strike="noStrike" kern="1200" baseline="0">
-                      <a:solidFill>
-                        <a:schemeClr val="tx1"/>
-                      </a:solidFill>
-                      <a:latin typeface="+mn-lt"/>
-                      <a:ea typeface="+mn-ea"/>
-                      <a:cs typeface="+mn-cs"/>
-                    </a:defRPr>
-                  </a:pPr>
-                  <a:endParaRPr lang="ru-RU"/>
-                </a:p>
-              </c:txPr>
               <c:dLblPos val="bestFit"/>
               <c:showLegendKey val="0"/>
               <c:showVal val="0"/>
@@ -625,9 +598,7 @@
               </c:spPr>
             </c:leaderLines>
             <c:extLst xmlns:c16r2="http://schemas.microsoft.com/office/drawing/2015/06/chart">
-              <c:ext xmlns:c15="http://schemas.microsoft.com/office/drawing/2012/chart" uri="{CE6537A1-D6FC-4f65-9D91-7224C49458BB}">
-                <c15:layout/>
-              </c:ext>
+              <c:ext xmlns:c15="http://schemas.microsoft.com/office/drawing/2012/chart" uri="{CE6537A1-D6FC-4f65-9D91-7224C49458BB}"/>
             </c:extLst>
           </c:dLbls>
           <c:cat>
@@ -1928,7 +1899,7 @@
           <a:bodyPr/>
           <a:lstStyle/>
           <a:p>
-            <a:endParaRPr lang="ru-RU"/>
+            <a:endParaRPr lang="ru-RU" dirty="0"/>
           </a:p>
         </p:txBody>
       </p:sp>
@@ -2012,10 +1983,94 @@
           <a:bodyPr/>
           <a:lstStyle/>
           <a:p>
+            <a:endParaRPr lang="ru-RU" dirty="0"/>
+          </a:p>
+        </p:txBody>
+      </p:sp>
+      <p:sp>
+        <p:nvSpPr>
+          <p:cNvPr id="4" name="Номер слайда 3"/>
+          <p:cNvSpPr>
+            <a:spLocks noGrp="1"/>
+          </p:cNvSpPr>
+          <p:nvPr>
+            <p:ph type="sldNum" sz="quarter" idx="10"/>
+          </p:nvPr>
+        </p:nvSpPr>
+        <p:spPr/>
+        <p:txBody>
+          <a:bodyPr/>
+          <a:lstStyle/>
+          <a:p>
+            <a:fld id="{E8868030-617B-4F85-A33E-5F3BA350DD12}" type="slidenum">
+              <a:rPr lang="ru-RU" smtClean="0"/>
+              <a:t>2</a:t>
+            </a:fld>
             <a:endParaRPr lang="ru-RU"/>
           </a:p>
         </p:txBody>
       </p:sp>
+    </p:spTree>
+    <p:extLst>
+      <p:ext uri="{BB962C8B-B14F-4D97-AF65-F5344CB8AC3E}">
+        <p14:creationId xmlns:p14="http://schemas.microsoft.com/office/powerpoint/2010/main" val="2520781138"/>
+      </p:ext>
+    </p:extLst>
+  </p:cSld>
+  <p:clrMapOvr>
+    <a:masterClrMapping/>
+  </p:clrMapOvr>
+</p:notes>
+</file>
+
+<file path=ppt/notesSlides/notesSlide3.xml><?xml version="1.0" encoding="utf-8"?>
+<p:notes xmlns:a="http://schemas.openxmlformats.org/drawingml/2006/main" xmlns:r="http://schemas.openxmlformats.org/officeDocument/2006/relationships" xmlns:p="http://schemas.openxmlformats.org/presentationml/2006/main">
+  <p:cSld>
+    <p:spTree>
+      <p:nvGrpSpPr>
+        <p:cNvPr id="1" name=""/>
+        <p:cNvGrpSpPr/>
+        <p:nvPr/>
+      </p:nvGrpSpPr>
+      <p:grpSpPr>
+        <a:xfrm>
+          <a:off x="0" y="0"/>
+          <a:ext cx="0" cy="0"/>
+          <a:chOff x="0" y="0"/>
+          <a:chExt cx="0" cy="0"/>
+        </a:xfrm>
+      </p:grpSpPr>
+      <p:sp>
+        <p:nvSpPr>
+          <p:cNvPr id="2" name="Образ слайда 1"/>
+          <p:cNvSpPr>
+            <a:spLocks noGrp="1" noRot="1" noChangeAspect="1"/>
+          </p:cNvSpPr>
+          <p:nvPr>
+            <p:ph type="sldImg"/>
+          </p:nvPr>
+        </p:nvSpPr>
+        <p:spPr/>
+      </p:sp>
+      <p:sp>
+        <p:nvSpPr>
+          <p:cNvPr id="3" name="Заметки 2"/>
+          <p:cNvSpPr>
+            <a:spLocks noGrp="1"/>
+          </p:cNvSpPr>
+          <p:nvPr>
+            <p:ph type="body" idx="1"/>
+          </p:nvPr>
+        </p:nvSpPr>
+        <p:spPr/>
+        <p:txBody>
+          <a:bodyPr/>
+          <a:lstStyle/>
+          <a:p>
+            <a:endParaRPr lang="ru-RU"/>
+          </a:p>
+        </p:txBody>
+      </p:sp>
       <p:sp>
         <p:nvSpPr>
           <p:cNvPr id="4" name="Номер слайда 3"/>
@@ -2033,7 +2088,7 @@
           <a:p>
             <a:fld id="{E8868030-617B-4F85-A33E-5F3BA350DD12}" type="slidenum">
               <a:rPr lang="ru-RU" smtClean="0"/>
-              <a:t>6</a:t>
+              <a:t>5</a:t>
             </a:fld>
             <a:endParaRPr lang="ru-RU"/>
           </a:p>
@@ -2043,6 +2098,90 @@
     <p:extLst>
       <p:ext uri="{BB962C8B-B14F-4D97-AF65-F5344CB8AC3E}">
         <p14:creationId xmlns:p14="http://schemas.microsoft.com/office/powerpoint/2010/main" val="3500478657"/>
+      </p:ext>
+    </p:extLst>
+  </p:cSld>
+  <p:clrMapOvr>
+    <a:masterClrMapping/>
+  </p:clrMapOvr>
+</p:notes>
+</file>
+
+<file path=ppt/notesSlides/notesSlide4.xml><?xml version="1.0" encoding="utf-8"?>
+<p:notes xmlns:a="http://schemas.openxmlformats.org/drawingml/2006/main" xmlns:r="http://schemas.openxmlformats.org/officeDocument/2006/relationships" xmlns:p="http://schemas.openxmlformats.org/presentationml/2006/main">
+  <p:cSld>
+    <p:spTree>
+      <p:nvGrpSpPr>
+        <p:cNvPr id="1" name=""/>
+        <p:cNvGrpSpPr/>
+        <p:nvPr/>
+      </p:nvGrpSpPr>
+      <p:grpSpPr>
+        <a:xfrm>
+          <a:off x="0" y="0"/>
+          <a:ext cx="0" cy="0"/>
+          <a:chOff x="0" y="0"/>
+          <a:chExt cx="0" cy="0"/>
+        </a:xfrm>
+      </p:grpSpPr>
+      <p:sp>
+        <p:nvSpPr>
+          <p:cNvPr id="2" name="Образ слайда 1"/>
+          <p:cNvSpPr>
+            <a:spLocks noGrp="1" noRot="1" noChangeAspect="1"/>
+          </p:cNvSpPr>
+          <p:nvPr>
+            <p:ph type="sldImg"/>
+          </p:nvPr>
+        </p:nvSpPr>
+        <p:spPr/>
+      </p:sp>
+      <p:sp>
+        <p:nvSpPr>
+          <p:cNvPr id="3" name="Заметки 2"/>
+          <p:cNvSpPr>
+            <a:spLocks noGrp="1"/>
+          </p:cNvSpPr>
+          <p:nvPr>
+            <p:ph type="body" idx="1"/>
+          </p:nvPr>
+        </p:nvSpPr>
+        <p:spPr/>
+        <p:txBody>
+          <a:bodyPr/>
+          <a:lstStyle/>
+          <a:p>
+            <a:endParaRPr lang="ru-RU" dirty="0"/>
+          </a:p>
+        </p:txBody>
+      </p:sp>
+      <p:sp>
+        <p:nvSpPr>
+          <p:cNvPr id="4" name="Номер слайда 3"/>
+          <p:cNvSpPr>
+            <a:spLocks noGrp="1"/>
+          </p:cNvSpPr>
+          <p:nvPr>
+            <p:ph type="sldNum" sz="quarter" idx="10"/>
+          </p:nvPr>
+        </p:nvSpPr>
+        <p:spPr/>
+        <p:txBody>
+          <a:bodyPr/>
+          <a:lstStyle/>
+          <a:p>
+            <a:fld id="{E8868030-617B-4F85-A33E-5F3BA350DD12}" type="slidenum">
+              <a:rPr lang="ru-RU" smtClean="0"/>
+              <a:t>7</a:t>
+            </a:fld>
+            <a:endParaRPr lang="ru-RU"/>
+          </a:p>
+        </p:txBody>
+      </p:sp>
+    </p:spTree>
+    <p:extLst>
+      <p:ext uri="{BB962C8B-B14F-4D97-AF65-F5344CB8AC3E}">
+        <p14:creationId xmlns:p14="http://schemas.microsoft.com/office/powerpoint/2010/main" val="1975717223"/>
       </p:ext>
     </p:extLst>
   </p:cSld>
@@ -4934,14 +5073,14 @@
           <a:p>
             <a:pPr algn="ctr"/>
             <a:r>
-              <a:rPr lang="ru-RU" sz="5400" dirty="0"/>
+              <a:rPr lang="ru-RU" b="1" dirty="0"/>
               <a:t>Мобильное приложение расписания учебных занятий для  платформы </a:t>
             </a:r>
             <a:r>
-              <a:rPr lang="ru-RU" sz="5400" dirty="0" err="1"/>
+              <a:rPr lang="ru-RU" b="1" dirty="0" err="1"/>
               <a:t>Android</a:t>
             </a:r>
-            <a:endParaRPr lang="ru-RU" sz="5400" dirty="0"/>
+            <a:endParaRPr lang="ru-RU" b="1" dirty="0"/>
           </a:p>
         </p:txBody>
       </p:sp>
@@ -5054,7 +5193,12 @@
             <p:ph type="sldNum" sz="quarter" idx="12"/>
           </p:nvPr>
         </p:nvSpPr>
-        <p:spPr/>
+        <p:spPr>
+          <a:xfrm>
+            <a:off x="9260081" y="6339259"/>
+            <a:ext cx="2743200" cy="365125"/>
+          </a:xfrm>
+        </p:spPr>
         <p:txBody>
           <a:bodyPr/>
           <a:lstStyle/>
@@ -5127,7 +5271,11 @@
             <a:pPr algn="ctr"/>
             <a:r>
               <a:rPr lang="ru-RU" b="1" dirty="0" smtClean="0"/>
-              <a:t>ЦЕЛЬ РАБОТЫ:</a:t>
+              <a:t>ЦЕЛЬ И ЗАДАЧИ </a:t>
+            </a:r>
+            <a:r>
+              <a:rPr lang="ru-RU" b="1" dirty="0" smtClean="0"/>
+              <a:t>РАБОТЫ:</a:t>
             </a:r>
             <a:endParaRPr lang="ru-RU" b="1" dirty="0"/>
           </a:p>
@@ -5145,8 +5293,8 @@
         </p:nvSpPr>
         <p:spPr>
           <a:xfrm>
-            <a:off x="838200" y="1280160"/>
-            <a:ext cx="11000874" cy="4896803"/>
+            <a:off x="162370" y="752030"/>
+            <a:ext cx="11818834" cy="6011756"/>
           </a:xfrm>
         </p:spPr>
         <p:txBody>
@@ -5159,29 +5307,113 @@
               <a:buNone/>
             </a:pPr>
             <a:r>
-              <a:rPr lang="ru-RU" sz="4800" dirty="0"/>
-              <a:t>Целью </a:t>
-            </a:r>
-            <a:r>
-              <a:rPr lang="ru-RU" sz="4800" dirty="0" smtClean="0"/>
+              <a:rPr lang="ru-RU" dirty="0" smtClean="0"/>
+              <a:t>Цель </a:t>
+            </a:r>
+            <a:r>
+              <a:rPr lang="ru-RU" dirty="0" smtClean="0"/>
               <a:t>- разработка </a:t>
             </a:r>
             <a:r>
-              <a:rPr lang="ru-RU" sz="4800" dirty="0"/>
-              <a:t>мобильного приложения на </a:t>
-            </a:r>
-            <a:r>
-              <a:rPr lang="ru-RU" sz="4800" dirty="0" smtClean="0"/>
-              <a:t>платформе </a:t>
-            </a:r>
-            <a:r>
-              <a:rPr lang="ru-RU" sz="4800" dirty="0" err="1"/>
+              <a:rPr lang="ru-RU" dirty="0"/>
+              <a:t>мобильного приложения </a:t>
+            </a:r>
+            <a:r>
+              <a:rPr lang="ru-RU" dirty="0" smtClean="0"/>
+              <a:t>для платформы </a:t>
+            </a:r>
+            <a:r>
+              <a:rPr lang="ru-RU" dirty="0" err="1"/>
               <a:t>Android</a:t>
             </a:r>
             <a:r>
-              <a:rPr lang="ru-RU" sz="4800" dirty="0"/>
-              <a:t>, для автоматизации предоставления информации о расписании преподавателям и студентам вуза.</a:t>
-            </a:r>
+              <a:rPr lang="ru-RU" dirty="0"/>
+              <a:t>, </a:t>
+            </a:r>
+            <a:endParaRPr lang="ru-RU" dirty="0" smtClean="0"/>
+          </a:p>
+          <a:p>
+            <a:pPr marL="0" indent="0">
+              <a:buNone/>
+            </a:pPr>
+            <a:r>
+              <a:rPr lang="ru-RU" dirty="0" smtClean="0"/>
+              <a:t>для </a:t>
+            </a:r>
+            <a:r>
+              <a:rPr lang="ru-RU" dirty="0"/>
+              <a:t>автоматизации предоставления информации о расписании </a:t>
+            </a:r>
+            <a:r>
+              <a:rPr lang="ru-RU" dirty="0" smtClean="0"/>
+              <a:t>преподавателям и студентам вуза.</a:t>
+            </a:r>
+          </a:p>
+          <a:p>
+            <a:pPr marL="0" indent="0">
+              <a:buNone/>
+            </a:pPr>
+            <a:r>
+              <a:rPr lang="ru-RU" dirty="0" smtClean="0"/>
+              <a:t>Задачи:</a:t>
+            </a:r>
+          </a:p>
+          <a:p>
+            <a:r>
+              <a:rPr lang="ru-RU" dirty="0" smtClean="0"/>
+              <a:t>Рассмотреть </a:t>
+            </a:r>
+            <a:r>
+              <a:rPr lang="ru-RU" dirty="0"/>
+              <a:t>предметную область</a:t>
+            </a:r>
+          </a:p>
+          <a:p>
+            <a:pPr lvl="0"/>
+            <a:r>
+              <a:rPr lang="ru-RU" dirty="0"/>
+              <a:t>Рассмотреть программы аналоги, выявить их сильные и слабые</a:t>
+            </a:r>
+            <a:br>
+              <a:rPr lang="ru-RU" dirty="0"/>
+            </a:br>
+            <a:r>
+              <a:rPr lang="ru-RU" dirty="0"/>
+              <a:t>стороны</a:t>
+            </a:r>
+          </a:p>
+          <a:p>
+            <a:pPr lvl="0"/>
+            <a:r>
+              <a:rPr lang="ru-RU" dirty="0"/>
+              <a:t>Спроектировать будущее приложение согласно полученным</a:t>
+            </a:r>
+            <a:br>
+              <a:rPr lang="ru-RU" dirty="0"/>
+            </a:br>
+            <a:r>
+              <a:rPr lang="ru-RU" dirty="0"/>
+              <a:t>данным</a:t>
+            </a:r>
+          </a:p>
+          <a:p>
+            <a:pPr lvl="0"/>
+            <a:r>
+              <a:rPr lang="ru-RU" dirty="0"/>
+              <a:t>Разработать мобильное приложение</a:t>
+            </a:r>
+          </a:p>
+          <a:p>
+            <a:pPr lvl="0"/>
+            <a:r>
+              <a:rPr lang="ru-RU" dirty="0"/>
+              <a:t>Протестировать полученное мобильное приложение и исправить найденные </a:t>
+            </a:r>
+            <a:r>
+              <a:rPr lang="ru-RU" dirty="0" smtClean="0"/>
+              <a:t>ошибки</a:t>
+            </a:r>
+            <a:endParaRPr lang="ru-RU" dirty="0"/>
           </a:p>
         </p:txBody>
       </p:sp>
@@ -5195,7 +5427,12 @@
             <p:ph type="sldNum" sz="quarter" idx="12"/>
           </p:nvPr>
         </p:nvSpPr>
-        <p:spPr/>
+        <p:spPr>
+          <a:xfrm>
+            <a:off x="9311355" y="6398661"/>
+            <a:ext cx="2743200" cy="365125"/>
+          </a:xfrm>
+        </p:spPr>
         <p:txBody>
           <a:bodyPr/>
           <a:lstStyle/>
@@ -5257,197 +5494,6 @@
         </p:nvSpPr>
         <p:spPr>
           <a:xfrm>
-            <a:off x="1103312" y="0"/>
-            <a:ext cx="9404723" cy="664143"/>
-          </a:xfrm>
-        </p:spPr>
-        <p:txBody>
-          <a:bodyPr>
-            <a:normAutofit fontScale="90000"/>
-          </a:bodyPr>
-          <a:lstStyle/>
-          <a:p>
-            <a:pPr algn="ctr"/>
-            <a:r>
-              <a:rPr lang="ru-RU" b="1" dirty="0" smtClean="0"/>
-              <a:t>ЗАДАЧИ</a:t>
-            </a:r>
-            <a:endParaRPr lang="ru-RU" b="1" dirty="0"/>
-          </a:p>
-        </p:txBody>
-      </p:sp>
-      <p:sp>
-        <p:nvSpPr>
-          <p:cNvPr id="3" name="Объект 2"/>
-          <p:cNvSpPr>
-            <a:spLocks noGrp="1"/>
-          </p:cNvSpPr>
-          <p:nvPr>
-            <p:ph idx="1"/>
-          </p:nvPr>
-        </p:nvSpPr>
-        <p:spPr>
-          <a:xfrm>
-            <a:off x="904776" y="981777"/>
-            <a:ext cx="11001676" cy="5266623"/>
-          </a:xfrm>
-        </p:spPr>
-        <p:txBody>
-          <a:bodyPr>
-            <a:noAutofit/>
-          </a:bodyPr>
-          <a:lstStyle/>
-          <a:p>
-            <a:pPr lvl="0"/>
-            <a:r>
-              <a:rPr lang="ru-RU" dirty="0"/>
-              <a:t>Рассмотреть предметную </a:t>
-            </a:r>
-            <a:r>
-              <a:rPr lang="ru-RU" dirty="0" smtClean="0"/>
-              <a:t>область</a:t>
-            </a:r>
-            <a:endParaRPr lang="ru-RU" dirty="0"/>
-          </a:p>
-          <a:p>
-            <a:pPr lvl="0"/>
-            <a:r>
-              <a:rPr lang="ru-RU" dirty="0"/>
-              <a:t>Рассмотреть программы аналоги, выявить их сильные и </a:t>
-            </a:r>
-            <a:r>
-              <a:rPr lang="ru-RU" dirty="0" smtClean="0"/>
-              <a:t>слабые</a:t>
-            </a:r>
-            <a:br>
-              <a:rPr lang="ru-RU" dirty="0" smtClean="0"/>
-            </a:br>
-            <a:r>
-              <a:rPr lang="ru-RU" dirty="0" smtClean="0"/>
-              <a:t>стороны</a:t>
-            </a:r>
-            <a:endParaRPr lang="ru-RU" dirty="0"/>
-          </a:p>
-          <a:p>
-            <a:pPr lvl="0"/>
-            <a:r>
-              <a:rPr lang="ru-RU" dirty="0"/>
-              <a:t>Спроектировать будущее приложение согласно </a:t>
-            </a:r>
-            <a:r>
-              <a:rPr lang="ru-RU" dirty="0" smtClean="0"/>
-              <a:t>полученным</a:t>
-            </a:r>
-            <a:br>
-              <a:rPr lang="ru-RU" dirty="0" smtClean="0"/>
-            </a:br>
-            <a:r>
-              <a:rPr lang="ru-RU" dirty="0" smtClean="0"/>
-              <a:t>данным</a:t>
-            </a:r>
-            <a:endParaRPr lang="ru-RU" dirty="0"/>
-          </a:p>
-          <a:p>
-            <a:pPr lvl="0"/>
-            <a:r>
-              <a:rPr lang="ru-RU" dirty="0"/>
-              <a:t>Разработать мобильное </a:t>
-            </a:r>
-            <a:r>
-              <a:rPr lang="ru-RU" dirty="0" smtClean="0"/>
-              <a:t>приложение</a:t>
-            </a:r>
-            <a:endParaRPr lang="ru-RU" dirty="0"/>
-          </a:p>
-          <a:p>
-            <a:pPr lvl="0"/>
-            <a:r>
-              <a:rPr lang="ru-RU" dirty="0"/>
-              <a:t>Протестировать полученное мобильное приложение и исправить найденные </a:t>
-            </a:r>
-            <a:r>
-              <a:rPr lang="ru-RU" dirty="0" smtClean="0"/>
-              <a:t>ошибки</a:t>
-            </a:r>
-            <a:endParaRPr lang="ru-RU" dirty="0"/>
-          </a:p>
-          <a:p>
-            <a:endParaRPr lang="ru-RU" dirty="0"/>
-          </a:p>
-        </p:txBody>
-      </p:sp>
-      <p:sp>
-        <p:nvSpPr>
-          <p:cNvPr id="4" name="Номер слайда 3"/>
-          <p:cNvSpPr>
-            <a:spLocks noGrp="1"/>
-          </p:cNvSpPr>
-          <p:nvPr>
-            <p:ph type="sldNum" sz="quarter" idx="12"/>
-          </p:nvPr>
-        </p:nvSpPr>
-        <p:spPr/>
-        <p:txBody>
-          <a:bodyPr/>
-          <a:lstStyle/>
-          <a:p>
-            <a:fld id="{D57F1E4F-1CFF-5643-939E-02111984F565}" type="slidenum">
-              <a:rPr lang="en-US" smtClean="0"/>
-              <a:t>3</a:t>
-            </a:fld>
-            <a:endParaRPr lang="en-US" dirty="0"/>
-          </a:p>
-        </p:txBody>
-      </p:sp>
-    </p:spTree>
-    <p:extLst>
-      <p:ext uri="{BB962C8B-B14F-4D97-AF65-F5344CB8AC3E}">
-        <p14:creationId xmlns:p14="http://schemas.microsoft.com/office/powerpoint/2010/main" val="219663833"/>
-      </p:ext>
-    </p:extLst>
-  </p:cSld>
-  <p:clrMapOvr>
-    <a:masterClrMapping/>
-  </p:clrMapOvr>
-  <p:timing>
-    <p:tnLst>
-      <p:par>
-        <p:cTn id="1" dur="indefinite" restart="never" nodeType="tmRoot"/>
-      </p:par>
-    </p:tnLst>
-  </p:timing>
-</p:sld>
-</file>
-
-<file path=ppt/slides/slide4.xml><?xml version="1.0" encoding="utf-8"?>
-<p:sld xmlns:a="http://schemas.openxmlformats.org/drawingml/2006/main" xmlns:r="http://schemas.openxmlformats.org/officeDocument/2006/relationships" xmlns:p="http://schemas.openxmlformats.org/presentationml/2006/main">
-  <p:cSld>
-    <p:spTree>
-      <p:nvGrpSpPr>
-        <p:cNvPr id="1" name=""/>
-        <p:cNvGrpSpPr/>
-        <p:nvPr/>
-      </p:nvGrpSpPr>
-      <p:grpSpPr>
-        <a:xfrm>
-          <a:off x="0" y="0"/>
-          <a:ext cx="0" cy="0"/>
-          <a:chOff x="0" y="0"/>
-          <a:chExt cx="0" cy="0"/>
-        </a:xfrm>
-      </p:grpSpPr>
-      <p:sp>
-        <p:nvSpPr>
-          <p:cNvPr id="2" name="Заголовок 1"/>
-          <p:cNvSpPr>
-            <a:spLocks noGrp="1"/>
-          </p:cNvSpPr>
-          <p:nvPr>
-            <p:ph type="title"/>
-          </p:nvPr>
-        </p:nvSpPr>
-        <p:spPr>
-          <a:xfrm>
             <a:off x="838200" y="1"/>
             <a:ext cx="10515600" cy="971550"/>
           </a:xfrm>
@@ -5475,14 +5521,19 @@
             <p:ph type="sldNum" sz="quarter" idx="12"/>
           </p:nvPr>
         </p:nvSpPr>
-        <p:spPr/>
+        <p:spPr>
+          <a:xfrm>
+            <a:off x="9336993" y="6373442"/>
+            <a:ext cx="2743200" cy="365125"/>
+          </a:xfrm>
+        </p:spPr>
         <p:txBody>
           <a:bodyPr/>
           <a:lstStyle/>
           <a:p>
             <a:fld id="{D57F1E4F-1CFF-5643-939E-02111984F565}" type="slidenum">
               <a:rPr lang="en-US" smtClean="0"/>
-              <a:t>4</a:t>
+              <a:t>3</a:t>
             </a:fld>
             <a:endParaRPr lang="en-US" dirty="0"/>
           </a:p>
@@ -5538,7 +5589,7 @@
 </p:sld>
 </file>
 
-<file path=ppt/slides/slide5.xml><?xml version="1.0" encoding="utf-8"?>
+<file path=ppt/slides/slide4.xml><?xml version="1.0" encoding="utf-8"?>
 <p:sld xmlns:a="http://schemas.openxmlformats.org/drawingml/2006/main" xmlns:r="http://schemas.openxmlformats.org/officeDocument/2006/relationships" xmlns:p="http://schemas.openxmlformats.org/presentationml/2006/main">
   <p:cSld>
     <p:spTree>
@@ -5608,8 +5659,8 @@
         </p:blipFill>
         <p:spPr>
           <a:xfrm>
-            <a:off x="1849767" y="834217"/>
-            <a:ext cx="8492466" cy="5713412"/>
+            <a:off x="1751889" y="764187"/>
+            <a:ext cx="8688222" cy="5853472"/>
           </a:xfrm>
           <a:prstGeom prst="rect">
             <a:avLst/>
@@ -5636,14 +5687,19 @@
             <p:ph type="sldNum" sz="quarter" idx="12"/>
           </p:nvPr>
         </p:nvSpPr>
-        <p:spPr/>
+        <p:spPr>
+          <a:xfrm>
+            <a:off x="9354084" y="6365066"/>
+            <a:ext cx="2743200" cy="365125"/>
+          </a:xfrm>
+        </p:spPr>
         <p:txBody>
           <a:bodyPr/>
           <a:lstStyle/>
           <a:p>
             <a:fld id="{D57F1E4F-1CFF-5643-939E-02111984F565}" type="slidenum">
               <a:rPr lang="en-US" smtClean="0"/>
-              <a:t>5</a:t>
+              <a:t>4</a:t>
             </a:fld>
             <a:endParaRPr lang="en-US" dirty="0"/>
           </a:p>
@@ -5669,7 +5725,7 @@
 </p:sld>
 </file>
 
-<file path=ppt/slides/slide6.xml><?xml version="1.0" encoding="utf-8"?>
+<file path=ppt/slides/slide5.xml><?xml version="1.0" encoding="utf-8"?>
 <p:sld xmlns:a="http://schemas.openxmlformats.org/drawingml/2006/main" xmlns:r="http://schemas.openxmlformats.org/officeDocument/2006/relationships" xmlns:p="http://schemas.openxmlformats.org/presentationml/2006/main">
   <p:cSld>
     <p:spTree>
@@ -5725,14 +5781,19 @@
             <p:ph type="sldNum" sz="quarter" idx="12"/>
           </p:nvPr>
         </p:nvSpPr>
-        <p:spPr/>
+        <p:spPr>
+          <a:xfrm>
+            <a:off x="9311355" y="6356350"/>
+            <a:ext cx="2743200" cy="365125"/>
+          </a:xfrm>
+        </p:spPr>
         <p:txBody>
           <a:bodyPr/>
           <a:lstStyle/>
           <a:p>
             <a:fld id="{D57F1E4F-1CFF-5643-939E-02111984F565}" type="slidenum">
               <a:rPr lang="en-US" smtClean="0"/>
-              <a:t>6</a:t>
+              <a:t>5</a:t>
             </a:fld>
             <a:endParaRPr lang="en-US" dirty="0"/>
           </a:p>
@@ -5788,7 +5849,7 @@
 </p:sld>
 </file>
 
-<file path=ppt/slides/slide7.xml><?xml version="1.0" encoding="utf-8"?>
+<file path=ppt/slides/slide6.xml><?xml version="1.0" encoding="utf-8"?>
 <p:sld xmlns:a="http://schemas.openxmlformats.org/drawingml/2006/main" xmlns:r="http://schemas.openxmlformats.org/officeDocument/2006/relationships" xmlns:p="http://schemas.openxmlformats.org/presentationml/2006/main">
   <p:cSld>
     <p:spTree>
@@ -5869,14 +5930,19 @@
             <p:ph type="sldNum" sz="quarter" idx="12"/>
           </p:nvPr>
         </p:nvSpPr>
-        <p:spPr/>
+        <p:spPr>
+          <a:xfrm>
+            <a:off x="9388268" y="6424716"/>
+            <a:ext cx="2743200" cy="365125"/>
+          </a:xfrm>
+        </p:spPr>
         <p:txBody>
           <a:bodyPr/>
           <a:lstStyle/>
           <a:p>
             <a:fld id="{D57F1E4F-1CFF-5643-939E-02111984F565}" type="slidenum">
               <a:rPr lang="en-US" smtClean="0"/>
-              <a:t>7</a:t>
+              <a:t>6</a:t>
             </a:fld>
             <a:endParaRPr lang="en-US" dirty="0"/>
           </a:p>
@@ -5902,7 +5968,7 @@
 </p:sld>
 </file>
 
-<file path=ppt/slides/slide8.xml><?xml version="1.0" encoding="utf-8"?>
+<file path=ppt/slides/slide7.xml><?xml version="1.0" encoding="utf-8"?>
 <p:sld xmlns:a="http://schemas.openxmlformats.org/drawingml/2006/main" xmlns:r="http://schemas.openxmlformats.org/officeDocument/2006/relationships" xmlns:p="http://schemas.openxmlformats.org/presentationml/2006/main">
   <p:cSld>
     <p:spTree>
@@ -5960,13 +6026,13 @@
         </p:nvSpPr>
         <p:spPr>
           <a:xfrm>
-            <a:off x="1103312" y="1222408"/>
-            <a:ext cx="10495130" cy="5025991"/>
+            <a:off x="324740" y="1001028"/>
+            <a:ext cx="11733376" cy="5247372"/>
           </a:xfrm>
         </p:spPr>
         <p:txBody>
           <a:bodyPr>
-            <a:normAutofit/>
+            <a:noAutofit/>
           </a:bodyPr>
           <a:lstStyle/>
           <a:p>
@@ -5974,24 +6040,28 @@
               <a:buNone/>
             </a:pPr>
             <a:r>
-              <a:rPr lang="ru-RU" sz="4000" dirty="0" smtClean="0"/>
-              <a:t>	В </a:t>
-            </a:r>
-            <a:r>
-              <a:rPr lang="ru-RU" sz="4000" dirty="0"/>
-              <a:t>результате реализации проектного решения, были выполнены все поставленные </a:t>
-            </a:r>
-            <a:r>
-              <a:rPr lang="ru-RU" sz="4000" dirty="0" smtClean="0"/>
-              <a:t>цели. Результат </a:t>
-            </a:r>
-            <a:r>
-              <a:rPr lang="ru-RU" sz="4000" dirty="0"/>
-              <a:t>полностью соответствует заявленным ожиданиям</a:t>
-            </a:r>
-            <a:r>
-              <a:rPr lang="ru-RU" sz="4000" dirty="0" smtClean="0"/>
-              <a:t>.</a:t>
+              <a:rPr lang="ru-RU" sz="3600" dirty="0" smtClean="0"/>
+              <a:t>	</a:t>
+            </a:r>
+            <a:r>
+              <a:rPr lang="ru-RU" sz="3600" dirty="0" smtClean="0"/>
+              <a:t>Поставленная цель достигнута</a:t>
+            </a:r>
+            <a:r>
+              <a:rPr lang="ru-RU" sz="3600" dirty="0" smtClean="0"/>
+              <a:t>, задачи выполнены. </a:t>
+            </a:r>
+            <a:r>
+              <a:rPr lang="ru-RU" sz="3600" dirty="0" smtClean="0"/>
+              <a:t>Результат </a:t>
+            </a:r>
+            <a:r>
+              <a:rPr lang="ru-RU" sz="3600" dirty="0"/>
+              <a:t>полностью соответствует заявленным </a:t>
+            </a:r>
+            <a:r>
+              <a:rPr lang="ru-RU" sz="3600" dirty="0" smtClean="0"/>
+              <a:t>требованиям.</a:t>
             </a:r>
           </a:p>
           <a:p>
@@ -5999,13 +6069,54 @@
               <a:buNone/>
             </a:pPr>
             <a:r>
-              <a:rPr lang="ru-RU" sz="4000" dirty="0" smtClean="0"/>
-              <a:t>	Использование </a:t>
-            </a:r>
-            <a:r>
-              <a:rPr lang="ru-RU" sz="4000" dirty="0"/>
-              <a:t>разработанного мобильного приложения позволяет повысить удобство и понизить время работы с расписанием. </a:t>
-            </a:r>
+              <a:rPr lang="ru-RU" sz="3600" dirty="0" smtClean="0"/>
+              <a:t>	Направление развития:</a:t>
+            </a:r>
+          </a:p>
+          <a:p>
+            <a:pPr lvl="0"/>
+            <a:r>
+              <a:rPr lang="ru-RU" sz="3600" dirty="0"/>
+              <a:t>размещение данного приложения в </a:t>
+            </a:r>
+            <a:r>
+              <a:rPr lang="ru-RU" sz="3600" dirty="0" err="1"/>
+              <a:t>GooglePlay</a:t>
+            </a:r>
+            <a:r>
+              <a:rPr lang="ru-RU" sz="3600" dirty="0"/>
+              <a:t> </a:t>
+            </a:r>
+            <a:r>
+              <a:rPr lang="ru-RU" sz="3600" dirty="0" err="1" smtClean="0"/>
+              <a:t>Market</a:t>
+            </a:r>
+            <a:endParaRPr lang="ru-RU" sz="3600" dirty="0"/>
+          </a:p>
+          <a:p>
+            <a:r>
+              <a:rPr lang="ru-RU" sz="3600" dirty="0"/>
+              <a:t>улучшение и оптимизация </a:t>
+            </a:r>
+            <a:r>
+              <a:rPr lang="ru-RU" sz="3600" dirty="0" smtClean="0"/>
+              <a:t>подходов </a:t>
+            </a:r>
+            <a:r>
+              <a:rPr lang="ru-RU" sz="3600" dirty="0"/>
+              <a:t>к функционированию программы</a:t>
+            </a:r>
+            <a:endParaRPr lang="ru-RU" sz="3600" dirty="0" smtClean="0"/>
+          </a:p>
+          <a:p>
+            <a:pPr marL="0" indent="0">
+              <a:buNone/>
+            </a:pPr>
+            <a:r>
+              <a:rPr lang="ru-RU" sz="3600" dirty="0" smtClean="0"/>
+              <a:t>	</a:t>
+            </a:r>
+            <a:endParaRPr lang="ru-RU" sz="3600" dirty="0"/>
           </a:p>
         </p:txBody>
       </p:sp>
@@ -6019,14 +6130,19 @@
             <p:ph type="sldNum" sz="quarter" idx="12"/>
           </p:nvPr>
         </p:nvSpPr>
-        <p:spPr/>
+        <p:spPr>
+          <a:xfrm>
+            <a:off x="9314916" y="6287217"/>
+            <a:ext cx="2743200" cy="365125"/>
+          </a:xfrm>
+        </p:spPr>
         <p:txBody>
           <a:bodyPr/>
           <a:lstStyle/>
           <a:p>
             <a:fld id="{D57F1E4F-1CFF-5643-939E-02111984F565}" type="slidenum">
               <a:rPr lang="en-US" smtClean="0"/>
-              <a:t>8</a:t>
+              <a:t>7</a:t>
             </a:fld>
             <a:endParaRPr lang="en-US" dirty="0"/>
           </a:p>
